--- a/powerpoint/day_1.pptx
+++ b/powerpoint/day_1.pptx
@@ -152,7 +152,7 @@
   <pc:docChgLst>
     <pc:chgData name="Srinivasa Rao" userId="a6b54366-f13d-4292-8bb4-f06c50909b1e" providerId="ADAL" clId="{A1DE7FA8-B3E9-0345-B325-0F983846FA45}"/>
     <pc:docChg chg="undo custSel addSld modSld sldOrd">
-      <pc:chgData name="Srinivasa Rao" userId="a6b54366-f13d-4292-8bb4-f06c50909b1e" providerId="ADAL" clId="{A1DE7FA8-B3E9-0345-B325-0F983846FA45}" dt="2023-07-04T19:37:47.494" v="8767" actId="1076"/>
+      <pc:chgData name="Srinivasa Rao" userId="a6b54366-f13d-4292-8bb4-f06c50909b1e" providerId="ADAL" clId="{A1DE7FA8-B3E9-0345-B325-0F983846FA45}" dt="2023-07-04T20:48:38.313" v="8996" actId="108"/>
       <pc:docMkLst>
         <pc:docMk/>
       </pc:docMkLst>
@@ -1724,7 +1724,7 @@
         </pc:sldMkLst>
       </pc:sldChg>
       <pc:sldChg chg="modSp add mod">
-        <pc:chgData name="Srinivasa Rao" userId="a6b54366-f13d-4292-8bb4-f06c50909b1e" providerId="ADAL" clId="{A1DE7FA8-B3E9-0345-B325-0F983846FA45}" dt="2023-07-04T17:43:27.405" v="6640"/>
+        <pc:chgData name="Srinivasa Rao" userId="a6b54366-f13d-4292-8bb4-f06c50909b1e" providerId="ADAL" clId="{A1DE7FA8-B3E9-0345-B325-0F983846FA45}" dt="2023-07-04T20:48:38.313" v="8996" actId="108"/>
         <pc:sldMkLst>
           <pc:docMk/>
           <pc:sldMk cId="3097160359" sldId="282"/>
@@ -1738,7 +1738,7 @@
           </ac:spMkLst>
         </pc:spChg>
         <pc:spChg chg="mod">
-          <ac:chgData name="Srinivasa Rao" userId="a6b54366-f13d-4292-8bb4-f06c50909b1e" providerId="ADAL" clId="{A1DE7FA8-B3E9-0345-B325-0F983846FA45}" dt="2023-07-04T17:43:27.405" v="6640"/>
+          <ac:chgData name="Srinivasa Rao" userId="a6b54366-f13d-4292-8bb4-f06c50909b1e" providerId="ADAL" clId="{A1DE7FA8-B3E9-0345-B325-0F983846FA45}" dt="2023-07-04T20:48:38.313" v="8996" actId="108"/>
           <ac:spMkLst>
             <pc:docMk/>
             <pc:sldMk cId="3097160359" sldId="282"/>
@@ -8862,7 +8862,14 @@
                 <a:latin typeface="Courier New" panose="02070309020205020404" pitchFamily="49" charset="0"/>
                 <a:cs typeface="Courier New" panose="02070309020205020404" pitchFamily="49" charset="0"/>
               </a:rPr>
-              <a:t>filter()</a:t>
+              <a:t>filter() – </a:t>
+            </a:r>
+            <a:r>
+              <a:rPr lang="en-US" dirty="0">
+                <a:latin typeface="Calibri" panose="020F0502020204030204" pitchFamily="34" charset="0"/>
+                <a:cs typeface="Calibri" panose="020F0502020204030204" pitchFamily="34" charset="0"/>
+              </a:rPr>
+              <a:t>similar to filtering in base R</a:t>
             </a:r>
           </a:p>
           <a:p>
@@ -8872,7 +8879,28 @@
                 <a:latin typeface="Courier New" panose="02070309020205020404" pitchFamily="49" charset="0"/>
                 <a:cs typeface="Courier New" panose="02070309020205020404" pitchFamily="49" charset="0"/>
               </a:rPr>
-              <a:t>select()</a:t>
+              <a:t>select() – </a:t>
+            </a:r>
+            <a:r>
+              <a:rPr lang="en-US" dirty="0">
+                <a:latin typeface="Calibri" panose="020F0502020204030204" pitchFamily="34" charset="0"/>
+                <a:cs typeface="Calibri" panose="020F0502020204030204" pitchFamily="34" charset="0"/>
+              </a:rPr>
+              <a:t>similar to column </a:t>
+            </a:r>
+            <a:r>
+              <a:rPr lang="en-US" dirty="0" err="1">
+                <a:latin typeface="Calibri" panose="020F0502020204030204" pitchFamily="34" charset="0"/>
+                <a:cs typeface="Calibri" panose="020F0502020204030204" pitchFamily="34" charset="0"/>
+              </a:rPr>
+              <a:t>subsetting</a:t>
+            </a:r>
+            <a:r>
+              <a:rPr lang="en-US" dirty="0">
+                <a:latin typeface="Calibri" panose="020F0502020204030204" pitchFamily="34" charset="0"/>
+                <a:cs typeface="Calibri" panose="020F0502020204030204" pitchFamily="34" charset="0"/>
+              </a:rPr>
+              <a:t> in base R</a:t>
             </a:r>
           </a:p>
           <a:p>
@@ -8882,7 +8910,14 @@
                 <a:latin typeface="Courier New" panose="02070309020205020404" pitchFamily="49" charset="0"/>
                 <a:cs typeface="Courier New" panose="02070309020205020404" pitchFamily="49" charset="0"/>
               </a:rPr>
-              <a:t>mutate()</a:t>
+              <a:t>mutate() – </a:t>
+            </a:r>
+            <a:r>
+              <a:rPr lang="en-US" dirty="0">
+                <a:latin typeface="Calibri" panose="020F0502020204030204" pitchFamily="34" charset="0"/>
+                <a:cs typeface="Calibri" panose="020F0502020204030204" pitchFamily="34" charset="0"/>
+              </a:rPr>
+              <a:t>creating a new column</a:t>
             </a:r>
           </a:p>
           <a:p>
@@ -8892,8 +8927,26 @@
                 <a:latin typeface="Courier New" panose="02070309020205020404" pitchFamily="49" charset="0"/>
                 <a:cs typeface="Courier New" panose="02070309020205020404" pitchFamily="49" charset="0"/>
               </a:rPr>
-              <a:t>group()</a:t>
-            </a:r>
+              <a:t>group() – </a:t>
+            </a:r>
+            <a:r>
+              <a:rPr lang="en-US" dirty="0">
+                <a:latin typeface="Calibri" panose="020F0502020204030204" pitchFamily="34" charset="0"/>
+                <a:cs typeface="Calibri" panose="020F0502020204030204" pitchFamily="34" charset="0"/>
+              </a:rPr>
+              <a:t>grouping for plotting and </a:t>
+            </a:r>
+            <a:r>
+              <a:rPr lang="en-US" dirty="0" err="1">
+                <a:latin typeface="Calibri" panose="020F0502020204030204" pitchFamily="34" charset="0"/>
+                <a:cs typeface="Calibri" panose="020F0502020204030204" pitchFamily="34" charset="0"/>
+              </a:rPr>
+              <a:t>summarising</a:t>
+            </a:r>
+            <a:endParaRPr lang="en-US" dirty="0">
+              <a:latin typeface="Calibri" panose="020F0502020204030204" pitchFamily="34" charset="0"/>
+              <a:cs typeface="Calibri" panose="020F0502020204030204" pitchFamily="34" charset="0"/>
+            </a:endParaRPr>
           </a:p>
           <a:p>
             <a:pPr lvl="1"/>
@@ -8909,7 +8962,21 @@
                 <a:latin typeface="Courier New" panose="02070309020205020404" pitchFamily="49" charset="0"/>
                 <a:cs typeface="Courier New" panose="02070309020205020404" pitchFamily="49" charset="0"/>
               </a:rPr>
-              <a:t>()</a:t>
+              <a:t>() – </a:t>
+            </a:r>
+            <a:r>
+              <a:rPr lang="en-US" dirty="0" err="1">
+                <a:latin typeface="Calibri" panose="020F0502020204030204" pitchFamily="34" charset="0"/>
+                <a:cs typeface="Calibri" panose="020F0502020204030204" pitchFamily="34" charset="0"/>
+              </a:rPr>
+              <a:t>summarise</a:t>
+            </a:r>
+            <a:r>
+              <a:rPr lang="en-US" dirty="0">
+                <a:latin typeface="Calibri" panose="020F0502020204030204" pitchFamily="34" charset="0"/>
+                <a:cs typeface="Calibri" panose="020F0502020204030204" pitchFamily="34" charset="0"/>
+              </a:rPr>
+              <a:t> by specific groups</a:t>
             </a:r>
           </a:p>
           <a:p>
